--- a/ppt/2020/base_c++.pptx
+++ b/ppt/2020/base_c++.pptx
@@ -7,7 +7,8 @@
   <p:sldIdLst>
     <p:sldId id="260" r:id="rId2"/>
     <p:sldId id="261" r:id="rId3"/>
-    <p:sldId id="262" r:id="rId4"/>
+    <p:sldId id="263" r:id="rId4"/>
+    <p:sldId id="262" r:id="rId5"/>
   </p:sldIdLst>
   <p:sldSz cx="12192000" cy="6858000"/>
   <p:notesSz cx="6858000" cy="9144000"/>
@@ -108,7 +109,7 @@
   </p:defaultTextStyle>
   <p:extLst>
     <p:ext uri="{EFAFB233-063F-42B5-8137-9DF3F51BA10A}">
-      <p15:sldGuideLst xmlns:p15="http://schemas.microsoft.com/office/powerpoint/2012/main" xmlns=""/>
+      <p15:sldGuideLst xmlns="" xmlns:p15="http://schemas.microsoft.com/office/powerpoint/2012/main"/>
     </p:ext>
   </p:extLst>
 </p:presentation>
@@ -136,7 +137,7 @@
           <p:cNvPr id="8" name="矩形 7">
             <a:extLst>
               <a:ext uri="{FF2B5EF4-FFF2-40B4-BE49-F238E27FC236}">
-                <a16:creationId xmlns:a16="http://schemas.microsoft.com/office/drawing/2014/main" xmlns="" id="{F399C0FD-7C40-0147-8ACB-4E13D9DFBB9C}"/>
+                <a16:creationId xmlns="" xmlns:a16="http://schemas.microsoft.com/office/drawing/2014/main" id="{F399C0FD-7C40-0147-8ACB-4E13D9DFBB9C}"/>
               </a:ext>
             </a:extLst>
           </p:cNvPr>
@@ -182,7 +183,7 @@
           <p:cNvPr id="7" name="图片 6">
             <a:extLst>
               <a:ext uri="{FF2B5EF4-FFF2-40B4-BE49-F238E27FC236}">
-                <a16:creationId xmlns:a16="http://schemas.microsoft.com/office/drawing/2014/main" xmlns="" id="{82370E24-12B4-C64E-A72C-43E85C52D83B}"/>
+                <a16:creationId xmlns="" xmlns:a16="http://schemas.microsoft.com/office/drawing/2014/main" id="{82370E24-12B4-C64E-A72C-43E85C52D83B}"/>
               </a:ext>
             </a:extLst>
           </p:cNvPr>
@@ -210,7 +211,7 @@
     </p:spTree>
     <p:extLst>
       <p:ext uri="{BB962C8B-B14F-4D97-AF65-F5344CB8AC3E}">
-        <p14:creationId xmlns:p14="http://schemas.microsoft.com/office/powerpoint/2010/main" val="1392055626"/>
+        <p14:creationId xmlns:p14="http://schemas.microsoft.com/office/powerpoint/2010/main" xmlns="" val="1392055626"/>
       </p:ext>
     </p:extLst>
   </p:cSld>
@@ -348,7 +349,8 @@
           <a:p>
             <a:fld id="{7C955CD6-C544-6447-88CB-A2D8D4C328B3}" type="datetimeFigureOut">
               <a:rPr kumimoji="1" lang="zh-CN" altLang="en-US" smtClean="0"/>
-              <a:t>2020/3/9</a:t>
+              <a:pPr/>
+              <a:t>2020/3/19</a:t>
             </a:fld>
             <a:endParaRPr kumimoji="1" lang="zh-CN" altLang="en-US"/>
           </a:p>
@@ -426,6 +428,7 @@
           <a:p>
             <a:fld id="{502A6B2C-FFFF-F842-A641-B920BDB4AC58}" type="slidenum">
               <a:rPr kumimoji="1" lang="zh-CN" altLang="en-US" smtClean="0"/>
+              <a:pPr/>
               <a:t>‹#›</a:t>
             </a:fld>
             <a:endParaRPr kumimoji="1" lang="zh-CN" altLang="en-US"/>
@@ -435,7 +438,7 @@
     </p:spTree>
     <p:extLst>
       <p:ext uri="{BB962C8B-B14F-4D97-AF65-F5344CB8AC3E}">
-        <p14:creationId xmlns:p14="http://schemas.microsoft.com/office/powerpoint/2010/main" val="1469646871"/>
+        <p14:creationId xmlns:p14="http://schemas.microsoft.com/office/powerpoint/2010/main" xmlns="" val="1469646871"/>
       </p:ext>
     </p:extLst>
   </p:cSld>
@@ -748,7 +751,7 @@
           <p:cNvPr id="2" name="图片 1">
             <a:extLst>
               <a:ext uri="{FF2B5EF4-FFF2-40B4-BE49-F238E27FC236}">
-                <a16:creationId xmlns:a16="http://schemas.microsoft.com/office/drawing/2014/main" xmlns="" id="{524AC34F-F98B-2747-B19F-4B84DF9372BF}"/>
+                <a16:creationId xmlns="" xmlns:a16="http://schemas.microsoft.com/office/drawing/2014/main" id="{524AC34F-F98B-2747-B19F-4B84DF9372BF}"/>
               </a:ext>
             </a:extLst>
           </p:cNvPr>
@@ -778,7 +781,7 @@
           <p:cNvPr id="13" name="文本框 12">
             <a:extLst>
               <a:ext uri="{FF2B5EF4-FFF2-40B4-BE49-F238E27FC236}">
-                <a16:creationId xmlns:a16="http://schemas.microsoft.com/office/drawing/2014/main" xmlns="" id="{E5FAE5D6-18C5-874C-8A80-19C674CE2E6E}"/>
+                <a16:creationId xmlns="" xmlns:a16="http://schemas.microsoft.com/office/drawing/2014/main" id="{E5FAE5D6-18C5-874C-8A80-19C674CE2E6E}"/>
               </a:ext>
             </a:extLst>
           </p:cNvPr>
@@ -836,7 +839,7 @@
           <p:cNvPr id="16" name="矩形 15">
             <a:extLst>
               <a:ext uri="{FF2B5EF4-FFF2-40B4-BE49-F238E27FC236}">
-                <a16:creationId xmlns:a16="http://schemas.microsoft.com/office/drawing/2014/main" xmlns="" id="{3AD93328-151F-B643-90E4-69488FC125EC}"/>
+                <a16:creationId xmlns="" xmlns:a16="http://schemas.microsoft.com/office/drawing/2014/main" id="{3AD93328-151F-B643-90E4-69488FC125EC}"/>
               </a:ext>
             </a:extLst>
           </p:cNvPr>
@@ -896,17 +899,7 @@
                 <a:latin typeface="KaiTi" panose="02010609060101010101" pitchFamily="49" charset="-122"/>
                 <a:ea typeface="KaiTi" panose="02010609060101010101" pitchFamily="49" charset="-122"/>
               </a:rPr>
-              <a:t>：</a:t>
-            </a:r>
-            <a:r>
-              <a:rPr kumimoji="1" lang="zh-CN" altLang="en-US" sz="2400" smtClean="0">
-                <a:solidFill>
-                  <a:schemeClr val="bg1"/>
-                </a:solidFill>
-                <a:latin typeface="KaiTi" panose="02010609060101010101" pitchFamily="49" charset="-122"/>
-                <a:ea typeface="KaiTi" panose="02010609060101010101" pitchFamily="49" charset="-122"/>
-              </a:rPr>
-              <a:t>智能指</a:t>
+              <a:t>：智能指</a:t>
             </a:r>
             <a:endParaRPr lang="zh-CN" altLang="en-US" dirty="0">
               <a:solidFill>
@@ -921,7 +914,7 @@
           <p:cNvPr id="20" name="图片 19">
             <a:extLst>
               <a:ext uri="{FF2B5EF4-FFF2-40B4-BE49-F238E27FC236}">
-                <a16:creationId xmlns:a16="http://schemas.microsoft.com/office/drawing/2014/main" xmlns="" id="{CE77D04B-3A98-3946-8016-31A1A212F6E7}"/>
+                <a16:creationId xmlns="" xmlns:a16="http://schemas.microsoft.com/office/drawing/2014/main" id="{CE77D04B-3A98-3946-8016-31A1A212F6E7}"/>
               </a:ext>
             </a:extLst>
           </p:cNvPr>
@@ -950,7 +943,7 @@
           <p:cNvPr id="21" name="文本框 20">
             <a:extLst>
               <a:ext uri="{FF2B5EF4-FFF2-40B4-BE49-F238E27FC236}">
-                <a16:creationId xmlns:a16="http://schemas.microsoft.com/office/drawing/2014/main" xmlns="" id="{E93111B3-5380-774D-B21F-355CEC3A892A}"/>
+                <a16:creationId xmlns="" xmlns:a16="http://schemas.microsoft.com/office/drawing/2014/main" id="{E93111B3-5380-774D-B21F-355CEC3A892A}"/>
               </a:ext>
             </a:extLst>
           </p:cNvPr>
@@ -1062,7 +1055,7 @@
           <p:cNvPr id="22" name="矩形 21">
             <a:extLst>
               <a:ext uri="{FF2B5EF4-FFF2-40B4-BE49-F238E27FC236}">
-                <a16:creationId xmlns:a16="http://schemas.microsoft.com/office/drawing/2014/main" xmlns="" id="{4A8A3E91-0CB8-124D-924A-13CADE25E338}"/>
+                <a16:creationId xmlns="" xmlns:a16="http://schemas.microsoft.com/office/drawing/2014/main" id="{4A8A3E91-0CB8-124D-924A-13CADE25E338}"/>
               </a:ext>
             </a:extLst>
           </p:cNvPr>
@@ -1141,7 +1134,7 @@
           <p:cNvPr id="23" name="矩形 22">
             <a:extLst>
               <a:ext uri="{FF2B5EF4-FFF2-40B4-BE49-F238E27FC236}">
-                <a16:creationId xmlns:a16="http://schemas.microsoft.com/office/drawing/2014/main" xmlns="" id="{2351560C-A22B-3041-B8C8-E0159A499464}"/>
+                <a16:creationId xmlns="" xmlns:a16="http://schemas.microsoft.com/office/drawing/2014/main" id="{2351560C-A22B-3041-B8C8-E0159A499464}"/>
               </a:ext>
             </a:extLst>
           </p:cNvPr>
@@ -1228,7 +1221,7 @@
           <p:cNvPr id="34" name="下箭头 33">
             <a:extLst>
               <a:ext uri="{FF2B5EF4-FFF2-40B4-BE49-F238E27FC236}">
-                <a16:creationId xmlns:a16="http://schemas.microsoft.com/office/drawing/2014/main" xmlns="" id="{37C9AF0F-0659-4040-B6F0-E1B2F62BF388}"/>
+                <a16:creationId xmlns="" xmlns:a16="http://schemas.microsoft.com/office/drawing/2014/main" id="{37C9AF0F-0659-4040-B6F0-E1B2F62BF388}"/>
               </a:ext>
             </a:extLst>
           </p:cNvPr>
@@ -1286,7 +1279,7 @@
           <p:cNvPr id="24" name="文本框 23">
             <a:extLst>
               <a:ext uri="{FF2B5EF4-FFF2-40B4-BE49-F238E27FC236}">
-                <a16:creationId xmlns:a16="http://schemas.microsoft.com/office/drawing/2014/main" xmlns="" id="{28F58B44-59EE-CC45-8504-654AB10C4726}"/>
+                <a16:creationId xmlns="" xmlns:a16="http://schemas.microsoft.com/office/drawing/2014/main" id="{28F58B44-59EE-CC45-8504-654AB10C4726}"/>
               </a:ext>
             </a:extLst>
           </p:cNvPr>
@@ -1379,7 +1372,7 @@
           <p:cNvPr id="25" name="矩形 24">
             <a:extLst>
               <a:ext uri="{FF2B5EF4-FFF2-40B4-BE49-F238E27FC236}">
-                <a16:creationId xmlns:a16="http://schemas.microsoft.com/office/drawing/2014/main" xmlns="" id="{2D803A74-B0E9-1649-9B43-43BD44439519}"/>
+                <a16:creationId xmlns="" xmlns:a16="http://schemas.microsoft.com/office/drawing/2014/main" id="{2D803A74-B0E9-1649-9B43-43BD44439519}"/>
               </a:ext>
             </a:extLst>
           </p:cNvPr>
@@ -1435,7 +1428,7 @@
           <p:cNvPr id="26" name="组合 25">
             <a:extLst>
               <a:ext uri="{FF2B5EF4-FFF2-40B4-BE49-F238E27FC236}">
-                <a16:creationId xmlns:a16="http://schemas.microsoft.com/office/drawing/2014/main" xmlns="" id="{A42FA8D4-D568-C040-9840-90F1EE0E5951}"/>
+                <a16:creationId xmlns="" xmlns:a16="http://schemas.microsoft.com/office/drawing/2014/main" id="{A42FA8D4-D568-C040-9840-90F1EE0E5951}"/>
               </a:ext>
             </a:extLst>
           </p:cNvPr>
@@ -1455,7 +1448,7 @@
             <p:cNvPr id="27" name="直线箭头连接符 26">
               <a:extLst>
                 <a:ext uri="{FF2B5EF4-FFF2-40B4-BE49-F238E27FC236}">
-                  <a16:creationId xmlns:a16="http://schemas.microsoft.com/office/drawing/2014/main" xmlns="" id="{A1A16027-DB4C-794E-904D-CD361649353D}"/>
+                  <a16:creationId xmlns="" xmlns:a16="http://schemas.microsoft.com/office/drawing/2014/main" id="{A1A16027-DB4C-794E-904D-CD361649353D}"/>
                 </a:ext>
               </a:extLst>
             </p:cNvPr>
@@ -1499,7 +1492,7 @@
             <p:cNvPr id="28" name="组合 27">
               <a:extLst>
                 <a:ext uri="{FF2B5EF4-FFF2-40B4-BE49-F238E27FC236}">
-                  <a16:creationId xmlns:a16="http://schemas.microsoft.com/office/drawing/2014/main" xmlns="" id="{1B57D3D6-BBE7-BE49-BD5B-477FA5BDC9EB}"/>
+                  <a16:creationId xmlns="" xmlns:a16="http://schemas.microsoft.com/office/drawing/2014/main" id="{1B57D3D6-BBE7-BE49-BD5B-477FA5BDC9EB}"/>
                 </a:ext>
               </a:extLst>
             </p:cNvPr>
@@ -1519,7 +1512,7 @@
               <p:cNvPr id="29" name="矩形 28">
                 <a:extLst>
                   <a:ext uri="{FF2B5EF4-FFF2-40B4-BE49-F238E27FC236}">
-                    <a16:creationId xmlns:a16="http://schemas.microsoft.com/office/drawing/2014/main" xmlns="" id="{81C4768F-9434-4D49-9259-2BC34B6802B6}"/>
+                    <a16:creationId xmlns="" xmlns:a16="http://schemas.microsoft.com/office/drawing/2014/main" id="{81C4768F-9434-4D49-9259-2BC34B6802B6}"/>
                   </a:ext>
                 </a:extLst>
               </p:cNvPr>
@@ -1554,7 +1547,7 @@
               <p:cNvPr id="30" name="直线箭头连接符 29">
                 <a:extLst>
                   <a:ext uri="{FF2B5EF4-FFF2-40B4-BE49-F238E27FC236}">
-                    <a16:creationId xmlns:a16="http://schemas.microsoft.com/office/drawing/2014/main" xmlns="" id="{81D36C54-BC9B-3B40-867D-50741DC54C24}"/>
+                    <a16:creationId xmlns="" xmlns:a16="http://schemas.microsoft.com/office/drawing/2014/main" id="{81D36C54-BC9B-3B40-867D-50741DC54C24}"/>
                   </a:ext>
                 </a:extLst>
               </p:cNvPr>
@@ -1598,7 +1591,7 @@
               <p:cNvPr id="35" name="直线箭头连接符 34">
                 <a:extLst>
                   <a:ext uri="{FF2B5EF4-FFF2-40B4-BE49-F238E27FC236}">
-                    <a16:creationId xmlns:a16="http://schemas.microsoft.com/office/drawing/2014/main" xmlns="" id="{A943A8F3-F178-7949-95A2-3A60FC4BC366}"/>
+                    <a16:creationId xmlns="" xmlns:a16="http://schemas.microsoft.com/office/drawing/2014/main" id="{A943A8F3-F178-7949-95A2-3A60FC4BC366}"/>
                   </a:ext>
                 </a:extLst>
               </p:cNvPr>
@@ -1642,7 +1635,7 @@
               <p:cNvPr id="36" name="直线箭头连接符 35">
                 <a:extLst>
                   <a:ext uri="{FF2B5EF4-FFF2-40B4-BE49-F238E27FC236}">
-                    <a16:creationId xmlns:a16="http://schemas.microsoft.com/office/drawing/2014/main" xmlns="" id="{EB967810-8F96-9D4B-AFDD-6B32B122954E}"/>
+                    <a16:creationId xmlns="" xmlns:a16="http://schemas.microsoft.com/office/drawing/2014/main" id="{EB967810-8F96-9D4B-AFDD-6B32B122954E}"/>
                   </a:ext>
                 </a:extLst>
               </p:cNvPr>
@@ -1686,7 +1679,7 @@
               <p:cNvPr id="37" name="矩形 36">
                 <a:extLst>
                   <a:ext uri="{FF2B5EF4-FFF2-40B4-BE49-F238E27FC236}">
-                    <a16:creationId xmlns:a16="http://schemas.microsoft.com/office/drawing/2014/main" xmlns="" id="{9D8684C2-0925-F74E-B551-91255E856C0C}"/>
+                    <a16:creationId xmlns="" xmlns:a16="http://schemas.microsoft.com/office/drawing/2014/main" id="{9D8684C2-0925-F74E-B551-91255E856C0C}"/>
                   </a:ext>
                 </a:extLst>
               </p:cNvPr>
@@ -1721,7 +1714,7 @@
               <p:cNvPr id="38" name="矩形 37">
                 <a:extLst>
                   <a:ext uri="{FF2B5EF4-FFF2-40B4-BE49-F238E27FC236}">
-                    <a16:creationId xmlns:a16="http://schemas.microsoft.com/office/drawing/2014/main" xmlns="" id="{6152ABCF-0DE9-3A40-B08D-EE21FBF95925}"/>
+                    <a16:creationId xmlns="" xmlns:a16="http://schemas.microsoft.com/office/drawing/2014/main" id="{6152ABCF-0DE9-3A40-B08D-EE21FBF95925}"/>
                   </a:ext>
                 </a:extLst>
               </p:cNvPr>
@@ -1756,7 +1749,7 @@
               <p:cNvPr id="39" name="矩形 38">
                 <a:extLst>
                   <a:ext uri="{FF2B5EF4-FFF2-40B4-BE49-F238E27FC236}">
-                    <a16:creationId xmlns:a16="http://schemas.microsoft.com/office/drawing/2014/main" xmlns="" id="{E00D6724-1F83-BD4C-8519-EC1E81BDFC0A}"/>
+                    <a16:creationId xmlns="" xmlns:a16="http://schemas.microsoft.com/office/drawing/2014/main" id="{E00D6724-1F83-BD4C-8519-EC1E81BDFC0A}"/>
                   </a:ext>
                 </a:extLst>
               </p:cNvPr>
@@ -1791,7 +1784,7 @@
     </p:spTree>
     <p:extLst>
       <p:ext uri="{BB962C8B-B14F-4D97-AF65-F5344CB8AC3E}">
-        <p14:creationId xmlns:p14="http://schemas.microsoft.com/office/powerpoint/2010/main" val="1454995091"/>
+        <p14:creationId xmlns:p14="http://schemas.microsoft.com/office/powerpoint/2010/main" xmlns="" val="1454995091"/>
       </p:ext>
     </p:extLst>
   </p:cSld>
@@ -1823,7 +1816,7 @@
           <p:cNvPr id="2" name="文本框 20">
             <a:extLst>
               <a:ext uri="{FF2B5EF4-FFF2-40B4-BE49-F238E27FC236}">
-                <a16:creationId xmlns:a16="http://schemas.microsoft.com/office/drawing/2014/main" xmlns="" id="{E93111B3-5380-774D-B21F-355CEC3A892A}"/>
+                <a16:creationId xmlns="" xmlns:a16="http://schemas.microsoft.com/office/drawing/2014/main" id="{E93111B3-5380-774D-B21F-355CEC3A892A}"/>
               </a:ext>
             </a:extLst>
           </p:cNvPr>
@@ -1832,8 +1825,8 @@
         </p:nvSpPr>
         <p:spPr>
           <a:xfrm flipH="1">
-            <a:off x="184938" y="1673766"/>
-            <a:ext cx="9033191" cy="1631216"/>
+            <a:off x="6165907" y="1083130"/>
+            <a:ext cx="5251509" cy="2554545"/>
           </a:xfrm>
           <a:prstGeom prst="rect">
             <a:avLst/>
@@ -1850,7 +1843,7 @@
               <a:buAutoNum type="arabicPeriod"/>
             </a:pPr>
             <a:r>
-              <a:rPr kumimoji="1" lang="zh-CN" altLang="en-US" sz="2000" smtClean="0">
+              <a:rPr kumimoji="1" lang="zh-CN" altLang="en-US" sz="2000" dirty="0" smtClean="0">
                 <a:latin typeface="Times New Roman" panose="02020603050405020304" pitchFamily="18" charset="0"/>
                 <a:ea typeface="KaiTi_GB2312" panose="02010609030101010101" pitchFamily="49" charset="-122"/>
                 <a:cs typeface="Times New Roman" panose="02020603050405020304" pitchFamily="18" charset="0"/>
@@ -1858,7 +1851,7 @@
               <a:t>过去面试</a:t>
             </a:r>
             <a:r>
-              <a:rPr kumimoji="1" lang="en-US" altLang="zh-CN" sz="2000" smtClean="0">
+              <a:rPr kumimoji="1" lang="en-US" altLang="zh-CN" sz="2000" dirty="0" smtClean="0">
                 <a:latin typeface="Times New Roman" panose="02020603050405020304" pitchFamily="18" charset="0"/>
                 <a:ea typeface="KaiTi_GB2312" panose="02010609030101010101" pitchFamily="49" charset="-122"/>
                 <a:cs typeface="Times New Roman" panose="02020603050405020304" pitchFamily="18" charset="0"/>
@@ -1866,7 +1859,7 @@
               <a:t>10</a:t>
             </a:r>
             <a:r>
-              <a:rPr kumimoji="1" lang="zh-CN" altLang="en-US" sz="2000" smtClean="0">
+              <a:rPr kumimoji="1" lang="zh-CN" altLang="en-US" sz="2000" dirty="0" smtClean="0">
                 <a:latin typeface="Times New Roman" panose="02020603050405020304" pitchFamily="18" charset="0"/>
                 <a:ea typeface="KaiTi_GB2312" panose="02010609030101010101" pitchFamily="49" charset="-122"/>
                 <a:cs typeface="Times New Roman" panose="02020603050405020304" pitchFamily="18" charset="0"/>
@@ -1874,7 +1867,7 @@
               <a:t>次，</a:t>
             </a:r>
             <a:r>
-              <a:rPr kumimoji="1" lang="en-US" altLang="zh-CN" sz="2000" smtClean="0">
+              <a:rPr kumimoji="1" lang="en-US" altLang="zh-CN" sz="2000" dirty="0" smtClean="0">
                 <a:latin typeface="Times New Roman" panose="02020603050405020304" pitchFamily="18" charset="0"/>
                 <a:ea typeface="KaiTi_GB2312" panose="02010609030101010101" pitchFamily="49" charset="-122"/>
                 <a:cs typeface="Times New Roman" panose="02020603050405020304" pitchFamily="18" charset="0"/>
@@ -1882,7 +1875,7 @@
               <a:t>10</a:t>
             </a:r>
             <a:r>
-              <a:rPr kumimoji="1" lang="zh-CN" altLang="en-US" sz="2000" smtClean="0">
+              <a:rPr kumimoji="1" lang="zh-CN" altLang="en-US" sz="2000" dirty="0" smtClean="0">
                 <a:latin typeface="Times New Roman" panose="02020603050405020304" pitchFamily="18" charset="0"/>
                 <a:ea typeface="KaiTi_GB2312" panose="02010609030101010101" pitchFamily="49" charset="-122"/>
                 <a:cs typeface="Times New Roman" panose="02020603050405020304" pitchFamily="18" charset="0"/>
@@ -1890,7 +1883,7 @@
               <a:t>次你说不会，你</a:t>
             </a:r>
             <a:r>
-              <a:rPr kumimoji="1" lang="en-US" altLang="zh-CN" sz="2000" smtClean="0">
+              <a:rPr kumimoji="1" lang="en-US" altLang="zh-CN" sz="2000" dirty="0" err="1" smtClean="0">
                 <a:latin typeface="Times New Roman" panose="02020603050405020304" pitchFamily="18" charset="0"/>
                 <a:ea typeface="KaiTi_GB2312" panose="02010609030101010101" pitchFamily="49" charset="-122"/>
                 <a:cs typeface="Times New Roman" panose="02020603050405020304" pitchFamily="18" charset="0"/>
@@ -1898,7 +1891,7 @@
               <a:t>sb</a:t>
             </a:r>
             <a:r>
-              <a:rPr kumimoji="1" lang="zh-CN" altLang="en-US" sz="2000" smtClean="0">
+              <a:rPr kumimoji="1" lang="zh-CN" altLang="en-US" sz="2000" dirty="0" smtClean="0">
                 <a:latin typeface="Times New Roman" panose="02020603050405020304" pitchFamily="18" charset="0"/>
                 <a:ea typeface="KaiTi_GB2312" panose="02010609030101010101" pitchFamily="49" charset="-122"/>
                 <a:cs typeface="Times New Roman" panose="02020603050405020304" pitchFamily="18" charset="0"/>
@@ -1906,7 +1899,7 @@
               <a:t>不会准备一下，</a:t>
             </a:r>
             <a:r>
-              <a:rPr kumimoji="1" lang="zh-CN" altLang="en-US" sz="2000" smtClean="0">
+              <a:rPr kumimoji="1" lang="zh-CN" altLang="en-US" sz="2000" dirty="0" smtClean="0">
                 <a:solidFill>
                   <a:srgbClr val="FF0000"/>
                 </a:solidFill>
@@ -1917,7 +1910,7 @@
               <a:t>过去</a:t>
             </a:r>
             <a:r>
-              <a:rPr kumimoji="1" lang="en-US" altLang="zh-CN" sz="2000" smtClean="0">
+              <a:rPr kumimoji="1" lang="en-US" altLang="zh-CN" sz="2000" dirty="0" smtClean="0">
                 <a:solidFill>
                   <a:srgbClr val="FF0000"/>
                 </a:solidFill>
@@ -1928,7 +1921,7 @@
               <a:t>5</a:t>
             </a:r>
             <a:r>
-              <a:rPr kumimoji="1" lang="zh-CN" altLang="en-US" sz="2000" smtClean="0">
+              <a:rPr kumimoji="1" lang="zh-CN" altLang="en-US" sz="2000" dirty="0" smtClean="0">
                 <a:solidFill>
                   <a:srgbClr val="FF0000"/>
                 </a:solidFill>
@@ -1938,7 +1931,7 @@
               </a:rPr>
               <a:t>年忙什么。百忙</a:t>
             </a:r>
-            <a:endParaRPr kumimoji="1" lang="en-US" altLang="zh-CN" sz="2000" smtClean="0">
+            <a:endParaRPr kumimoji="1" lang="en-US" altLang="zh-CN" sz="2000" dirty="0" smtClean="0">
               <a:solidFill>
                 <a:srgbClr val="FF0000"/>
               </a:solidFill>
@@ -1952,7 +1945,7 @@
               <a:buAutoNum type="arabicPeriod"/>
             </a:pPr>
             <a:r>
-              <a:rPr kumimoji="1" lang="zh-CN" altLang="en-US" sz="2000" smtClean="0">
+              <a:rPr kumimoji="1" lang="zh-CN" altLang="en-US" sz="2000" dirty="0" smtClean="0">
                 <a:solidFill>
                   <a:srgbClr val="FF0000"/>
                 </a:solidFill>
@@ -1963,7 +1956,7 @@
               <a:t>被</a:t>
             </a:r>
             <a:r>
-              <a:rPr kumimoji="1" lang="en-US" altLang="zh-CN" sz="2000" smtClean="0">
+              <a:rPr kumimoji="1" lang="en-US" altLang="zh-CN" sz="2000" dirty="0" err="1" smtClean="0">
                 <a:solidFill>
                   <a:srgbClr val="FF0000"/>
                 </a:solidFill>
@@ -1974,7 +1967,7 @@
               <a:t>ddi</a:t>
             </a:r>
             <a:r>
-              <a:rPr kumimoji="1" lang="zh-CN" altLang="en-US" sz="2000" smtClean="0">
+              <a:rPr kumimoji="1" lang="zh-CN" altLang="en-US" sz="2000" dirty="0" smtClean="0">
                 <a:solidFill>
                   <a:srgbClr val="FF0000"/>
                 </a:solidFill>
@@ -1984,7 +1977,7 @@
               </a:rPr>
               <a:t>问道一次，别批评说根本不懂，什么都不会基础太弱。你准备一次被问计数情况，你感觉可以了</a:t>
             </a:r>
-            <a:endParaRPr kumimoji="1" lang="en-US" altLang="zh-CN" sz="2000" smtClean="0">
+            <a:endParaRPr kumimoji="1" lang="en-US" altLang="zh-CN" sz="2000" dirty="0" smtClean="0">
               <a:solidFill>
                 <a:srgbClr val="FF0000"/>
               </a:solidFill>
@@ -1998,7 +1991,7 @@
               <a:buAutoNum type="arabicPeriod"/>
             </a:pPr>
             <a:r>
-              <a:rPr kumimoji="1" lang="en-US" altLang="zh-CN" sz="2000" smtClean="0">
+              <a:rPr kumimoji="1" lang="en-US" altLang="zh-CN" sz="2000" dirty="0" smtClean="0">
                 <a:solidFill>
                   <a:srgbClr val="FF0000"/>
                 </a:solidFill>
@@ -2009,7 +2002,7 @@
               <a:t>2</a:t>
             </a:r>
             <a:r>
-              <a:rPr kumimoji="1" lang="zh-CN" altLang="en-US" sz="2000" smtClean="0">
+              <a:rPr kumimoji="1" lang="zh-CN" altLang="en-US" sz="2000" dirty="0" smtClean="0">
                 <a:solidFill>
                   <a:srgbClr val="FF0000"/>
                 </a:solidFill>
@@ -2020,7 +2013,7 @@
               <a:t>个月时候</a:t>
             </a:r>
             <a:r>
-              <a:rPr kumimoji="1" lang="en-US" altLang="zh-CN" sz="2000" smtClean="0">
+              <a:rPr kumimoji="1" lang="en-US" altLang="zh-CN" sz="2000" dirty="0" smtClean="0">
                 <a:solidFill>
                   <a:srgbClr val="FF0000"/>
                 </a:solidFill>
@@ -2031,7 +2024,7 @@
               <a:t>360</a:t>
             </a:r>
             <a:r>
-              <a:rPr kumimoji="1" lang="zh-CN" altLang="en-US" sz="2000" smtClean="0">
+              <a:rPr kumimoji="1" lang="zh-CN" altLang="en-US" sz="2000" dirty="0" smtClean="0">
                 <a:solidFill>
                   <a:srgbClr val="FF0000"/>
                 </a:solidFill>
@@ -2041,7 +2034,7 @@
               </a:rPr>
               <a:t>，使用注意事项和具体结构傻眼了，更不会打不出来</a:t>
             </a:r>
-            <a:endParaRPr kumimoji="1" lang="en-US" altLang="zh-CN" sz="2000" smtClean="0">
+            <a:endParaRPr kumimoji="1" lang="en-US" altLang="zh-CN" sz="2000" dirty="0" smtClean="0">
               <a:solidFill>
                 <a:srgbClr val="FF0000"/>
               </a:solidFill>
@@ -2067,7 +2060,7 @@
           <p:cNvPr id="4" name="文本框 12">
             <a:extLst>
               <a:ext uri="{FF2B5EF4-FFF2-40B4-BE49-F238E27FC236}">
-                <a16:creationId xmlns:a16="http://schemas.microsoft.com/office/drawing/2014/main" xmlns="" id="{E5FAE5D6-18C5-874C-8A80-19C674CE2E6E}"/>
+                <a16:creationId xmlns="" xmlns:a16="http://schemas.microsoft.com/office/drawing/2014/main" id="{E5FAE5D6-18C5-874C-8A80-19C674CE2E6E}"/>
               </a:ext>
             </a:extLst>
           </p:cNvPr>
@@ -2076,8 +2069,8 @@
         </p:nvSpPr>
         <p:spPr>
           <a:xfrm flipH="1">
-            <a:off x="85895" y="713798"/>
-            <a:ext cx="2953139" cy="369332"/>
+            <a:off x="85894" y="713798"/>
+            <a:ext cx="3882098" cy="369332"/>
           </a:xfrm>
           <a:prstGeom prst="rect">
             <a:avLst/>
@@ -2107,15 +2100,59 @@
               <a:buChar char="Ø"/>
             </a:pPr>
             <a:r>
-              <a:rPr kumimoji="1" lang="zh-CN" altLang="en-US" b="1" smtClean="0">
-                <a:solidFill>
-                  <a:schemeClr val="bg1"/>
-                </a:solidFill>
-                <a:latin typeface="Times New Roman" panose="02020603050405020304" pitchFamily="18" charset="0"/>
-                <a:ea typeface="KaiTi_GB2312" panose="02010609030101010101" pitchFamily="49" charset="-122"/>
-                <a:cs typeface="Times New Roman" panose="02020603050405020304" pitchFamily="18" charset="0"/>
-              </a:rPr>
-              <a:t>智能指针的经历</a:t>
+              <a:rPr kumimoji="1" lang="en-US" altLang="zh-CN" b="1" dirty="0" smtClean="0">
+                <a:solidFill>
+                  <a:schemeClr val="bg1"/>
+                </a:solidFill>
+                <a:latin typeface="Times New Roman" panose="02020603050405020304" pitchFamily="18" charset="0"/>
+                <a:ea typeface="KaiTi_GB2312" panose="02010609030101010101" pitchFamily="49" charset="-122"/>
+                <a:cs typeface="Times New Roman" panose="02020603050405020304" pitchFamily="18" charset="0"/>
+              </a:rPr>
+              <a:t>C++11 </a:t>
+            </a:r>
+            <a:r>
+              <a:rPr kumimoji="1" lang="zh-CN" altLang="en-US" b="1" dirty="0" smtClean="0">
+                <a:solidFill>
+                  <a:schemeClr val="bg1"/>
+                </a:solidFill>
+                <a:latin typeface="Times New Roman" panose="02020603050405020304" pitchFamily="18" charset="0"/>
+                <a:ea typeface="KaiTi_GB2312" panose="02010609030101010101" pitchFamily="49" charset="-122"/>
+                <a:cs typeface="Times New Roman" panose="02020603050405020304" pitchFamily="18" charset="0"/>
+              </a:rPr>
+              <a:t>新特性</a:t>
+            </a:r>
+            <a:r>
+              <a:rPr kumimoji="1" lang="en-US" altLang="zh-CN" b="1" dirty="0" smtClean="0">
+                <a:solidFill>
+                  <a:schemeClr val="bg1"/>
+                </a:solidFill>
+                <a:latin typeface="Times New Roman" panose="02020603050405020304" pitchFamily="18" charset="0"/>
+                <a:ea typeface="KaiTi_GB2312" panose="02010609030101010101" pitchFamily="49" charset="-122"/>
+                <a:cs typeface="Times New Roman" panose="02020603050405020304" pitchFamily="18" charset="0"/>
+              </a:rPr>
+              <a:t> </a:t>
+            </a:r>
+            <a:r>
+              <a:rPr kumimoji="1" lang="zh-CN" altLang="en-US" b="1" dirty="0" smtClean="0">
+                <a:solidFill>
+                  <a:schemeClr val="bg1"/>
+                </a:solidFill>
+                <a:latin typeface="Times New Roman" panose="02020603050405020304" pitchFamily="18" charset="0"/>
+                <a:ea typeface="KaiTi_GB2312" panose="02010609030101010101" pitchFamily="49" charset="-122"/>
+                <a:cs typeface="Times New Roman" panose="02020603050405020304" pitchFamily="18" charset="0"/>
+              </a:rPr>
+              <a:t>右值引用和</a:t>
+            </a:r>
+            <a:r>
+              <a:rPr kumimoji="1" lang="en-US" altLang="zh-CN" b="1" dirty="0" smtClean="0">
+                <a:solidFill>
+                  <a:schemeClr val="bg1"/>
+                </a:solidFill>
+                <a:latin typeface="Times New Roman" panose="02020603050405020304" pitchFamily="18" charset="0"/>
+                <a:ea typeface="KaiTi_GB2312" panose="02010609030101010101" pitchFamily="49" charset="-122"/>
+                <a:cs typeface="Times New Roman" panose="02020603050405020304" pitchFamily="18" charset="0"/>
+              </a:rPr>
+              <a:t>move</a:t>
             </a:r>
             <a:endParaRPr kumimoji="1" lang="zh-CN" altLang="en-US" b="1" dirty="0">
               <a:solidFill>
@@ -2168,7 +2205,7 @@
           <p:cNvPr id="8" name="文本框 23">
             <a:extLst>
               <a:ext uri="{FF2B5EF4-FFF2-40B4-BE49-F238E27FC236}">
-                <a16:creationId xmlns:a16="http://schemas.microsoft.com/office/drawing/2014/main" xmlns="" id="{28F58B44-59EE-CC45-8504-654AB10C4726}"/>
+                <a16:creationId xmlns="" xmlns:a16="http://schemas.microsoft.com/office/drawing/2014/main" id="{28F58B44-59EE-CC45-8504-654AB10C4726}"/>
               </a:ext>
             </a:extLst>
           </p:cNvPr>
@@ -2177,8 +2214,8 @@
         </p:nvSpPr>
         <p:spPr>
           <a:xfrm flipH="1">
-            <a:off x="85895" y="4316506"/>
-            <a:ext cx="4961965" cy="2246769"/>
+            <a:off x="85893" y="1366897"/>
+            <a:ext cx="5308227" cy="2246769"/>
           </a:xfrm>
           <a:prstGeom prst="rect">
             <a:avLst/>
@@ -2206,29 +2243,18 @@
           <a:lstStyle/>
           <a:p>
             <a:r>
-              <a:rPr kumimoji="1" lang="zh-CN" altLang="en-US" sz="2000">
-                <a:solidFill>
-                  <a:schemeClr val="bg1"/>
-                </a:solidFill>
-                <a:latin typeface="Times New Roman" panose="02020603050405020304" pitchFamily="18" charset="0"/>
-                <a:ea typeface="KaiTi_GB2312" panose="02010609030101010101" pitchFamily="49" charset="-122"/>
-                <a:cs typeface="Times New Roman" panose="02020603050405020304" pitchFamily="18" charset="0"/>
-              </a:rPr>
-              <a:t>程</a:t>
-            </a:r>
-            <a:r>
-              <a:rPr kumimoji="1" lang="zh-CN" altLang="en-US" sz="2000">
-                <a:solidFill>
-                  <a:schemeClr val="bg1"/>
-                </a:solidFill>
-                <a:latin typeface="Times New Roman" panose="02020603050405020304" pitchFamily="18" charset="0"/>
-                <a:ea typeface="KaiTi_GB2312" panose="02010609030101010101" pitchFamily="49" charset="-122"/>
-                <a:cs typeface="Times New Roman" panose="02020603050405020304" pitchFamily="18" charset="0"/>
-              </a:rPr>
-              <a:t>咬</a:t>
-            </a:r>
-            <a:r>
-              <a:rPr kumimoji="1" lang="zh-CN" altLang="en-US" sz="2000" smtClean="0">
+              <a:rPr kumimoji="1" lang="zh-CN" altLang="en-US" sz="2000" dirty="0">
+                <a:solidFill>
+                  <a:schemeClr val="bg1"/>
+                </a:solidFill>
+                <a:latin typeface="Times New Roman" panose="02020603050405020304" pitchFamily="18" charset="0"/>
+                <a:ea typeface="KaiTi_GB2312" panose="02010609030101010101" pitchFamily="49" charset="-122"/>
+                <a:cs typeface="Times New Roman" panose="02020603050405020304" pitchFamily="18" charset="0"/>
+              </a:rPr>
+              <a:t>程咬</a:t>
+            </a:r>
+            <a:r>
+              <a:rPr kumimoji="1" lang="zh-CN" altLang="en-US" sz="2000" dirty="0" smtClean="0">
                 <a:solidFill>
                   <a:schemeClr val="bg1"/>
                 </a:solidFill>
@@ -2239,7 +2265,7 @@
               <a:t>金第一斧： 如何解决呢，</a:t>
             </a:r>
             <a:r>
-              <a:rPr kumimoji="1" lang="en-US" altLang="zh-CN" sz="2000" smtClean="0">
+              <a:rPr kumimoji="1" lang="en-US" altLang="zh-CN" sz="2000" dirty="0" smtClean="0">
                 <a:solidFill>
                   <a:schemeClr val="bg1"/>
                 </a:solidFill>
@@ -2250,7 +2276,7 @@
               <a:t>book </a:t>
             </a:r>
             <a:r>
-              <a:rPr kumimoji="1" lang="zh-CN" altLang="en-US" sz="2000" smtClean="0">
+              <a:rPr kumimoji="1" lang="zh-CN" altLang="en-US" sz="2000" dirty="0" smtClean="0">
                 <a:solidFill>
                   <a:schemeClr val="bg1"/>
                 </a:solidFill>
@@ -2260,7 +2286,7 @@
               </a:rPr>
               <a:t>？</a:t>
             </a:r>
-            <a:endParaRPr kumimoji="1" lang="en-US" altLang="zh-CN" sz="2000" smtClean="0">
+            <a:endParaRPr kumimoji="1" lang="en-US" altLang="zh-CN" sz="2000" dirty="0" smtClean="0">
               <a:solidFill>
                 <a:schemeClr val="bg1"/>
               </a:solidFill>
@@ -2271,42 +2297,28 @@
           </a:p>
           <a:p>
             <a:r>
-              <a:rPr lang="en-US" altLang="zh-CN" sz="2000" smtClean="0"/>
-              <a:t>Boost smart_ptr</a:t>
-            </a:r>
-            <a:r>
-              <a:rPr lang="en-US" altLang="zh-CN" sz="2000"/>
-              <a:t>,</a:t>
-            </a:r>
-            <a:r>
-              <a:rPr lang="en-US" altLang="zh-CN" sz="2000"/>
-              <a:t> </a:t>
-            </a:r>
-            <a:r>
-              <a:rPr lang="en-US" altLang="zh-CN" sz="2000" smtClean="0"/>
-              <a:t> c++</a:t>
-            </a:r>
-            <a:r>
-              <a:rPr lang="zh-CN" altLang="en-US" sz="2000"/>
-              <a:t>沉</a:t>
-            </a:r>
-            <a:r>
-              <a:rPr lang="zh-CN" altLang="en-US" sz="2000"/>
-              <a:t>思</a:t>
-            </a:r>
-            <a:r>
-              <a:rPr lang="zh-CN" altLang="en-US" sz="2000" smtClean="0"/>
-              <a:t>录 </a:t>
-            </a:r>
-            <a:r>
-              <a:rPr lang="en-US" altLang="zh-CN" sz="2000" smtClean="0"/>
-              <a:t>,</a:t>
-            </a:r>
-            <a:r>
-              <a:rPr lang="zh-CN" altLang="en-US" sz="2000" smtClean="0"/>
-              <a:t>陈硕的</a:t>
-            </a:r>
-            <a:endParaRPr kumimoji="1" lang="en-US" altLang="zh-CN" sz="2000" smtClean="0">
+              <a:rPr kumimoji="1" lang="en-US" altLang="zh-CN" sz="2000" dirty="0" smtClean="0">
+                <a:solidFill>
+                  <a:schemeClr val="bg1"/>
+                </a:solidFill>
+                <a:latin typeface="Times New Roman" panose="02020603050405020304" pitchFamily="18" charset="0"/>
+                <a:ea typeface="KaiTi_GB2312" panose="02010609030101010101" pitchFamily="49" charset="-122"/>
+                <a:cs typeface="Times New Roman" panose="02020603050405020304" pitchFamily="18" charset="0"/>
+              </a:rPr>
+              <a:t> C++11 </a:t>
+            </a:r>
+            <a:r>
+              <a:rPr kumimoji="1" lang="zh-CN" altLang="en-US" sz="2000" smtClean="0">
+                <a:solidFill>
+                  <a:schemeClr val="bg1"/>
+                </a:solidFill>
+                <a:latin typeface="Times New Roman" panose="02020603050405020304" pitchFamily="18" charset="0"/>
+                <a:ea typeface="KaiTi_GB2312" panose="02010609030101010101" pitchFamily="49" charset="-122"/>
+                <a:cs typeface="Times New Roman" panose="02020603050405020304" pitchFamily="18" charset="0"/>
+              </a:rPr>
+              <a:t>项目优化 </a:t>
+            </a:r>
+            <a:endParaRPr kumimoji="1" lang="en-US" altLang="zh-CN" sz="2000" dirty="0" smtClean="0">
               <a:solidFill>
                 <a:schemeClr val="bg1"/>
               </a:solidFill>
@@ -2317,29 +2329,29 @@
           </a:p>
           <a:p>
             <a:r>
-              <a:rPr kumimoji="1" lang="zh-CN" altLang="en-US" sz="2000">
-                <a:solidFill>
-                  <a:schemeClr val="bg1"/>
-                </a:solidFill>
-                <a:latin typeface="Times New Roman" panose="02020603050405020304" pitchFamily="18" charset="0"/>
-                <a:ea typeface="KaiTi_GB2312" panose="02010609030101010101" pitchFamily="49" charset="-122"/>
-                <a:cs typeface="Times New Roman" panose="02020603050405020304" pitchFamily="18" charset="0"/>
-              </a:rPr>
-              <a:t>程咬</a:t>
-            </a:r>
-            <a:r>
-              <a:rPr kumimoji="1" lang="zh-CN" altLang="en-US" sz="2000">
-                <a:solidFill>
-                  <a:schemeClr val="bg1"/>
-                </a:solidFill>
-                <a:latin typeface="Times New Roman" panose="02020603050405020304" pitchFamily="18" charset="0"/>
-                <a:ea typeface="KaiTi_GB2312" panose="02010609030101010101" pitchFamily="49" charset="-122"/>
-                <a:cs typeface="Times New Roman" panose="02020603050405020304" pitchFamily="18" charset="0"/>
-              </a:rPr>
-              <a:t>金</a:t>
-            </a:r>
-            <a:r>
-              <a:rPr kumimoji="1" lang="zh-CN" altLang="en-US" sz="2000" smtClean="0">
+              <a:rPr kumimoji="1" lang="zh-CN" altLang="en-US" sz="2000" dirty="0" smtClean="0">
+                <a:solidFill>
+                  <a:schemeClr val="bg1"/>
+                </a:solidFill>
+                <a:latin typeface="Times New Roman" panose="02020603050405020304" pitchFamily="18" charset="0"/>
+                <a:ea typeface="KaiTi_GB2312" panose="02010609030101010101" pitchFamily="49" charset="-122"/>
+                <a:cs typeface="Times New Roman" panose="02020603050405020304" pitchFamily="18" charset="0"/>
+              </a:rPr>
+              <a:t>程</a:t>
+            </a:r>
+            <a:r>
+              <a:rPr kumimoji="1" lang="zh-CN" altLang="en-US" sz="2000" dirty="0">
+                <a:solidFill>
+                  <a:schemeClr val="bg1"/>
+                </a:solidFill>
+                <a:latin typeface="Times New Roman" panose="02020603050405020304" pitchFamily="18" charset="0"/>
+                <a:ea typeface="KaiTi_GB2312" panose="02010609030101010101" pitchFamily="49" charset="-122"/>
+                <a:cs typeface="Times New Roman" panose="02020603050405020304" pitchFamily="18" charset="0"/>
+              </a:rPr>
+              <a:t>咬金</a:t>
+            </a:r>
+            <a:r>
+              <a:rPr kumimoji="1" lang="zh-CN" altLang="en-US" sz="2000" dirty="0" smtClean="0">
                 <a:solidFill>
                   <a:schemeClr val="bg1"/>
                 </a:solidFill>
@@ -2349,7 +2361,7 @@
               </a:rPr>
               <a:t>第二斧：  如何实现，优点？</a:t>
             </a:r>
-            <a:endParaRPr kumimoji="1" lang="en-US" altLang="zh-CN" sz="2000">
+            <a:endParaRPr kumimoji="1" lang="en-US" altLang="zh-CN" sz="2000" dirty="0">
               <a:solidFill>
                 <a:schemeClr val="bg1"/>
               </a:solidFill>
@@ -2359,7 +2371,7 @@
             </a:endParaRPr>
           </a:p>
           <a:p>
-            <a:endParaRPr kumimoji="1" lang="en-US" altLang="zh-CN" sz="2000" smtClean="0">
+            <a:endParaRPr kumimoji="1" lang="en-US" altLang="zh-CN" sz="2000" dirty="0" smtClean="0">
               <a:solidFill>
                 <a:schemeClr val="bg1"/>
               </a:solidFill>
@@ -2370,7 +2382,7 @@
           </a:p>
           <a:p>
             <a:r>
-              <a:rPr kumimoji="1" lang="zh-CN" altLang="en-US" sz="2000" smtClean="0">
+              <a:rPr kumimoji="1" lang="zh-CN" altLang="en-US" sz="2000" dirty="0" smtClean="0">
                 <a:solidFill>
                   <a:schemeClr val="bg1"/>
                 </a:solidFill>
@@ -2381,29 +2393,18 @@
               <a:t>程</a:t>
             </a:r>
             <a:r>
-              <a:rPr kumimoji="1" lang="zh-CN" altLang="en-US" sz="2000">
-                <a:solidFill>
-                  <a:schemeClr val="bg1"/>
-                </a:solidFill>
-                <a:latin typeface="Times New Roman" panose="02020603050405020304" pitchFamily="18" charset="0"/>
-                <a:ea typeface="KaiTi_GB2312" panose="02010609030101010101" pitchFamily="49" charset="-122"/>
-                <a:cs typeface="Times New Roman" panose="02020603050405020304" pitchFamily="18" charset="0"/>
-              </a:rPr>
-              <a:t>咬</a:t>
-            </a:r>
-            <a:r>
-              <a:rPr kumimoji="1" lang="zh-CN" altLang="en-US" sz="2000">
-                <a:solidFill>
-                  <a:schemeClr val="bg1"/>
-                </a:solidFill>
-                <a:latin typeface="Times New Roman" panose="02020603050405020304" pitchFamily="18" charset="0"/>
-                <a:ea typeface="KaiTi_GB2312" panose="02010609030101010101" pitchFamily="49" charset="-122"/>
-                <a:cs typeface="Times New Roman" panose="02020603050405020304" pitchFamily="18" charset="0"/>
-              </a:rPr>
-              <a:t>金</a:t>
-            </a:r>
-            <a:r>
-              <a:rPr kumimoji="1" lang="zh-CN" altLang="en-US" sz="2000" smtClean="0">
+              <a:rPr kumimoji="1" lang="zh-CN" altLang="en-US" sz="2000" dirty="0">
+                <a:solidFill>
+                  <a:schemeClr val="bg1"/>
+                </a:solidFill>
+                <a:latin typeface="Times New Roman" panose="02020603050405020304" pitchFamily="18" charset="0"/>
+                <a:ea typeface="KaiTi_GB2312" panose="02010609030101010101" pitchFamily="49" charset="-122"/>
+                <a:cs typeface="Times New Roman" panose="02020603050405020304" pitchFamily="18" charset="0"/>
+              </a:rPr>
+              <a:t>咬金</a:t>
+            </a:r>
+            <a:r>
+              <a:rPr kumimoji="1" lang="zh-CN" altLang="en-US" sz="2000" dirty="0" smtClean="0">
                 <a:solidFill>
                   <a:schemeClr val="bg1"/>
                 </a:solidFill>
@@ -2413,7 +2414,7 @@
               </a:rPr>
               <a:t>第三斧 ： 注意事项 ，具体避免入坑？</a:t>
             </a:r>
-            <a:endParaRPr kumimoji="1" lang="en-US" altLang="zh-CN" sz="2000">
+            <a:endParaRPr kumimoji="1" lang="en-US" altLang="zh-CN" sz="2000" dirty="0">
               <a:solidFill>
                 <a:schemeClr val="bg1"/>
               </a:solidFill>
@@ -2423,7 +2424,7 @@
             </a:endParaRPr>
           </a:p>
           <a:p>
-            <a:endParaRPr kumimoji="1" lang="en-US" altLang="zh-CN" sz="2000">
+            <a:endParaRPr kumimoji="1" lang="en-US" altLang="zh-CN" sz="2000" dirty="0">
               <a:latin typeface="Times New Roman" panose="02020603050405020304" pitchFamily="18" charset="0"/>
               <a:ea typeface="KaiTi_GB2312" panose="02010609030101010101" pitchFamily="49" charset="-122"/>
               <a:cs typeface="Times New Roman" panose="02020603050405020304" pitchFamily="18" charset="0"/>
@@ -2441,7 +2442,7 @@
     </p:spTree>
     <p:extLst>
       <p:ext uri="{BB962C8B-B14F-4D97-AF65-F5344CB8AC3E}">
-        <p14:creationId xmlns:p14="http://schemas.microsoft.com/office/powerpoint/2010/main" val="3515866268"/>
+        <p14:creationId xmlns:p14="http://schemas.microsoft.com/office/powerpoint/2010/main" xmlns="" val="3515866268"/>
       </p:ext>
     </p:extLst>
   </p:cSld>
@@ -2469,9 +2470,65 @@
         </a:xfrm>
       </p:grpSpPr>
     </p:spTree>
+  </p:cSld>
+  <p:clrMapOvr>
+    <a:masterClrMapping/>
+  </p:clrMapOvr>
+</p:sld>
+</file>
+
+<file path=ppt/slides/slide4.xml><?xml version="1.0" encoding="utf-8"?>
+<p:sld xmlns:a="http://schemas.openxmlformats.org/drawingml/2006/main" xmlns:r="http://schemas.openxmlformats.org/officeDocument/2006/relationships" xmlns:p="http://schemas.openxmlformats.org/presentationml/2006/main">
+  <p:cSld>
+    <p:spTree>
+      <p:nvGrpSpPr>
+        <p:cNvPr id="1" name=""/>
+        <p:cNvGrpSpPr/>
+        <p:nvPr/>
+      </p:nvGrpSpPr>
+      <p:grpSpPr>
+        <a:xfrm>
+          <a:off x="0" y="0"/>
+          <a:ext cx="0" cy="0"/>
+          <a:chOff x="0" y="0"/>
+          <a:chExt cx="0" cy="0"/>
+        </a:xfrm>
+      </p:grpSpPr>
+      <p:sp>
+        <p:nvSpPr>
+          <p:cNvPr id="2" name="矩形 1"/>
+          <p:cNvSpPr/>
+          <p:nvPr/>
+        </p:nvSpPr>
+        <p:spPr>
+          <a:xfrm>
+            <a:off x="511728" y="1090569"/>
+            <a:ext cx="7761118" cy="369332"/>
+          </a:xfrm>
+          <a:prstGeom prst="rect">
+            <a:avLst/>
+          </a:prstGeom>
+        </p:spPr>
+        <p:txBody>
+          <a:bodyPr wrap="square">
+            <a:spAutoFit/>
+          </a:bodyPr>
+          <a:lstStyle/>
+          <a:p>
+            <a:r>
+              <a:rPr lang="en-US" dirty="0" smtClean="0">
+                <a:hlinkClick r:id="rId2"/>
+              </a:rPr>
+              <a:t>https://www.zhihu.com/question/22111546</a:t>
+            </a:r>
+            <a:endParaRPr lang="zh-CN" altLang="en-US" dirty="0"/>
+          </a:p>
+        </p:txBody>
+      </p:sp>
+    </p:spTree>
     <p:extLst>
       <p:ext uri="{BB962C8B-B14F-4D97-AF65-F5344CB8AC3E}">
-        <p14:creationId xmlns:p14="http://schemas.microsoft.com/office/powerpoint/2010/main" val="1531587366"/>
+        <p14:creationId xmlns:p14="http://schemas.microsoft.com/office/powerpoint/2010/main" xmlns="" val="1531587366"/>
       </p:ext>
     </p:extLst>
   </p:cSld>
@@ -2489,7 +2546,7 @@
         <a:sysClr val="windowText" lastClr="000000"/>
       </a:dk1>
       <a:lt1>
-        <a:sysClr val="window" lastClr="CCE8CF"/>
+        <a:sysClr val="window" lastClr="FFFFFF"/>
       </a:lt1>
       <a:dk2>
         <a:srgbClr val="44546A"/>
@@ -2524,7 +2581,7 @@
     </a:clrScheme>
     <a:fontScheme name="Office 主题​​">
       <a:majorFont>
-        <a:latin typeface="Calibri Light" panose="020F0302020204030204"/>
+        <a:latin typeface="Calibri Light"/>
         <a:ea typeface=""/>
         <a:cs typeface=""/>
         <a:font script="Jpan" typeface="游ゴシック Light"/>
@@ -2559,7 +2616,7 @@
         <a:font script="Geor" typeface="Sylfaen"/>
       </a:majorFont>
       <a:minorFont>
-        <a:latin typeface="Calibri" panose="020F0502020204030204"/>
+        <a:latin typeface="Calibri"/>
         <a:ea typeface=""/>
         <a:cs typeface=""/>
         <a:font script="Jpan" typeface="游ゴシック"/>
@@ -2736,7 +2793,7 @@
   <a:extraClrSchemeLst/>
   <a:extLst>
     <a:ext uri="{05A4C25C-085E-4340-85A3-A5531E510DB2}">
-      <thm15:themeFamily xmlns:thm15="http://schemas.microsoft.com/office/thememl/2012/main" xmlns="" name="Office Theme" id="{62F939B6-93AF-4DB8-9C6B-D6C7DFDC589F}" vid="{AE6F2518-B084-4896-AF52-66CC2144AA26}"/>
+      <thm15:themeFamily xmlns="" xmlns:thm15="http://schemas.microsoft.com/office/thememl/2012/main" name="Office Theme" id="{62F939B6-93AF-4DB8-9C6B-D6C7DFDC589F}" vid="{AE6F2518-B084-4896-AF52-66CC2144AA26}"/>
     </a:ext>
   </a:extLst>
 </a:theme>
